--- a/PresentacionFinalAdmin.pptx
+++ b/PresentacionFinalAdmin.pptx
@@ -5,7 +5,7 @@
     <p:sldMasterId id="2147483648" r:id="rId1"/>
   </p:sldMasterIdLst>
   <p:notesMasterIdLst>
-    <p:notesMasterId r:id="rId9"/>
+    <p:notesMasterId r:id="rId11"/>
   </p:notesMasterIdLst>
   <p:sldIdLst>
     <p:sldId id="256" r:id="rId2"/>
@@ -14,7 +14,9 @@
     <p:sldId id="259" r:id="rId5"/>
     <p:sldId id="260" r:id="rId6"/>
     <p:sldId id="261" r:id="rId7"/>
-    <p:sldId id="262" r:id="rId8"/>
+    <p:sldId id="263" r:id="rId8"/>
+    <p:sldId id="264" r:id="rId9"/>
+    <p:sldId id="262" r:id="rId10"/>
   </p:sldIdLst>
   <p:sldSz cx="13004800" cy="9753600"/>
   <p:notesSz cx="6858000" cy="9144000"/>
@@ -4044,13 +4046,252 @@
       </p:grpSpPr>
       <p:sp>
         <p:nvSpPr>
+          <p:cNvPr id="2" name="Title 1"/>
+          <p:cNvSpPr>
+            <a:spLocks noGrp="1"/>
+          </p:cNvSpPr>
+          <p:nvPr>
+            <p:ph type="title"/>
+          </p:nvPr>
+        </p:nvSpPr>
+        <p:spPr/>
+        <p:txBody>
+          <a:bodyPr>
+            <a:normAutofit/>
+          </a:bodyPr>
+          <a:lstStyle/>
+          <a:p>
+            <a:r>
+              <a:rPr lang="en-US" sz="6600" dirty="0" err="1" smtClean="0"/>
+              <a:t>Gr</a:t>
+            </a:r>
+            <a:r>
+              <a:rPr lang="en-US" sz="6600" dirty="0" err="1" smtClean="0"/>
+              <a:t>Á</a:t>
+            </a:r>
+            <a:r>
+              <a:rPr lang="en-US" sz="6600" dirty="0" err="1" smtClean="0"/>
+              <a:t>fica</a:t>
+            </a:r>
+            <a:r>
+              <a:rPr lang="en-US" sz="6600" dirty="0" smtClean="0"/>
+              <a:t> de Valor </a:t>
+            </a:r>
+            <a:r>
+              <a:rPr lang="en-US" sz="6600" dirty="0" err="1" smtClean="0"/>
+              <a:t>ganado</a:t>
+            </a:r>
+            <a:endParaRPr lang="en-US" sz="6600" dirty="0"/>
+          </a:p>
+        </p:txBody>
+      </p:sp>
+      <p:pic>
+        <p:nvPicPr>
+          <p:cNvPr id="4" name="Picture 3" descr="Screen Shot 2014-12-07 at 2.31.58 PM.png"/>
+          <p:cNvPicPr>
+            <a:picLocks noChangeAspect="1"/>
+          </p:cNvPicPr>
+          <p:nvPr/>
+        </p:nvPicPr>
+        <p:blipFill>
+          <a:blip r:embed="rId2">
+            <a:extLst>
+              <a:ext uri="{28A0092B-C50C-407E-A947-70E740481C1C}">
+                <a14:useLocalDpi xmlns:a14="http://schemas.microsoft.com/office/drawing/2010/main" val="0"/>
+              </a:ext>
+            </a:extLst>
+          </a:blip>
+          <a:stretch>
+            <a:fillRect/>
+          </a:stretch>
+        </p:blipFill>
+        <p:spPr>
+          <a:xfrm>
+            <a:off x="396011" y="3027162"/>
+            <a:ext cx="12317189" cy="5482761"/>
+          </a:xfrm>
+          <a:prstGeom prst="rect">
+            <a:avLst/>
+          </a:prstGeom>
+        </p:spPr>
+      </p:pic>
+    </p:spTree>
+    <p:extLst>
+      <p:ext uri="{BB962C8B-B14F-4D97-AF65-F5344CB8AC3E}">
+        <p14:creationId xmlns:p14="http://schemas.microsoft.com/office/powerpoint/2010/main" val="2767353096"/>
+      </p:ext>
+    </p:extLst>
+  </p:cSld>
+  <p:clrMapOvr>
+    <a:masterClrMapping/>
+  </p:clrMapOvr>
+  <p:transition xmlns:p14="http://schemas.microsoft.com/office/powerpoint/2010/main" spd="med"/>
+</p:sld>
+</file>
+
+<file path=ppt/slides/slide8.xml><?xml version="1.0" encoding="utf-8"?>
+<p:sld xmlns:a="http://schemas.openxmlformats.org/drawingml/2006/main" xmlns:r="http://schemas.openxmlformats.org/officeDocument/2006/relationships" xmlns:p="http://schemas.openxmlformats.org/presentationml/2006/main">
+  <p:cSld>
+    <p:spTree>
+      <p:nvGrpSpPr>
+        <p:cNvPr id="1" name=""/>
+        <p:cNvGrpSpPr/>
+        <p:nvPr/>
+      </p:nvGrpSpPr>
+      <p:grpSpPr>
+        <a:xfrm>
+          <a:off x="0" y="0"/>
+          <a:ext cx="0" cy="0"/>
+          <a:chOff x="0" y="0"/>
+          <a:chExt cx="0" cy="0"/>
+        </a:xfrm>
+      </p:grpSpPr>
+      <p:pic>
+        <p:nvPicPr>
+          <p:cNvPr id="4" name="Picture 3" descr="Screen Shot 2014-12-07 at 2.32.11 PM.png"/>
+          <p:cNvPicPr>
+            <a:picLocks noChangeAspect="1"/>
+          </p:cNvPicPr>
+          <p:nvPr/>
+        </p:nvPicPr>
+        <p:blipFill>
+          <a:blip r:embed="rId2">
+            <a:extLst>
+              <a:ext uri="{28A0092B-C50C-407E-A947-70E740481C1C}">
+                <a14:useLocalDpi xmlns:a14="http://schemas.microsoft.com/office/drawing/2010/main" val="0"/>
+              </a:ext>
+            </a:extLst>
+          </a:blip>
+          <a:stretch>
+            <a:fillRect/>
+          </a:stretch>
+        </p:blipFill>
+        <p:spPr>
+          <a:xfrm>
+            <a:off x="275178" y="2083447"/>
+            <a:ext cx="12467674" cy="4244830"/>
+          </a:xfrm>
+          <a:prstGeom prst="rect">
+            <a:avLst/>
+          </a:prstGeom>
+        </p:spPr>
+      </p:pic>
+      <p:pic>
+        <p:nvPicPr>
+          <p:cNvPr id="5" name="Picture 4" descr="Screen Shot 2014-12-07 at 2.32.24 PM.png"/>
+          <p:cNvPicPr>
+            <a:picLocks noChangeAspect="1"/>
+          </p:cNvPicPr>
+          <p:nvPr/>
+        </p:nvPicPr>
+        <p:blipFill>
+          <a:blip r:embed="rId3">
+            <a:extLst>
+              <a:ext uri="{28A0092B-C50C-407E-A947-70E740481C1C}">
+                <a14:useLocalDpi xmlns:a14="http://schemas.microsoft.com/office/drawing/2010/main" val="0"/>
+              </a:ext>
+            </a:extLst>
+          </a:blip>
+          <a:stretch>
+            <a:fillRect/>
+          </a:stretch>
+        </p:blipFill>
+        <p:spPr>
+          <a:xfrm>
+            <a:off x="169341" y="7077442"/>
+            <a:ext cx="12658182" cy="1964413"/>
+          </a:xfrm>
+          <a:prstGeom prst="rect">
+            <a:avLst/>
+          </a:prstGeom>
+        </p:spPr>
+      </p:pic>
+      <p:sp>
+        <p:nvSpPr>
+          <p:cNvPr id="6" name="Title 1"/>
+          <p:cNvSpPr>
+            <a:spLocks noGrp="1"/>
+          </p:cNvSpPr>
+          <p:nvPr>
+            <p:ph type="title"/>
+          </p:nvPr>
+        </p:nvSpPr>
+        <p:spPr>
+          <a:xfrm>
+            <a:off x="355600" y="0"/>
+            <a:ext cx="12293600" cy="1824472"/>
+          </a:xfrm>
+        </p:spPr>
+        <p:txBody>
+          <a:bodyPr>
+            <a:normAutofit/>
+          </a:bodyPr>
+          <a:lstStyle/>
+          <a:p>
+            <a:r>
+              <a:rPr lang="en-US" sz="6600" dirty="0" err="1" smtClean="0"/>
+              <a:t>Gr</a:t>
+            </a:r>
+            <a:r>
+              <a:rPr lang="en-US" sz="6600" dirty="0" err="1" smtClean="0"/>
+              <a:t>Á</a:t>
+            </a:r>
+            <a:r>
+              <a:rPr lang="en-US" sz="6600" dirty="0" err="1" smtClean="0"/>
+              <a:t>fica</a:t>
+            </a:r>
+            <a:r>
+              <a:rPr lang="en-US" sz="6600" dirty="0" smtClean="0"/>
+              <a:t> de Valor </a:t>
+            </a:r>
+            <a:r>
+              <a:rPr lang="en-US" sz="6600" dirty="0" err="1" smtClean="0"/>
+              <a:t>ganado</a:t>
+            </a:r>
+            <a:endParaRPr lang="en-US" sz="6600" dirty="0"/>
+          </a:p>
+        </p:txBody>
+      </p:sp>
+    </p:spTree>
+    <p:extLst>
+      <p:ext uri="{BB962C8B-B14F-4D97-AF65-F5344CB8AC3E}">
+        <p14:creationId xmlns:p14="http://schemas.microsoft.com/office/powerpoint/2010/main" val="484234905"/>
+      </p:ext>
+    </p:extLst>
+  </p:cSld>
+  <p:clrMapOvr>
+    <a:masterClrMapping/>
+  </p:clrMapOvr>
+  <p:transition xmlns:p14="http://schemas.microsoft.com/office/powerpoint/2010/main" spd="med"/>
+</p:sld>
+</file>
+
+<file path=ppt/slides/slide9.xml><?xml version="1.0" encoding="utf-8"?>
+<p:sld xmlns:a="http://schemas.openxmlformats.org/drawingml/2006/main" xmlns:r="http://schemas.openxmlformats.org/officeDocument/2006/relationships" xmlns:p="http://schemas.openxmlformats.org/presentationml/2006/main">
+  <p:cSld>
+    <p:spTree>
+      <p:nvGrpSpPr>
+        <p:cNvPr id="1" name=""/>
+        <p:cNvGrpSpPr/>
+        <p:nvPr/>
+      </p:nvGrpSpPr>
+      <p:grpSpPr>
+        <a:xfrm>
+          <a:off x="0" y="0"/>
+          <a:ext cx="0" cy="0"/>
+          <a:chOff x="0" y="0"/>
+          <a:chExt cx="0" cy="0"/>
+        </a:xfrm>
+      </p:grpSpPr>
+      <p:sp>
+        <p:nvSpPr>
           <p:cNvPr id="50" name="Shape 50"/>
           <p:cNvSpPr/>
           <p:nvPr/>
         </p:nvSpPr>
         <p:spPr>
           <a:xfrm>
-            <a:off x="2515846" y="4229100"/>
+            <a:off x="2515846" y="3784552"/>
             <a:ext cx="7973108" cy="1295401"/>
           </a:xfrm>
           <a:prstGeom prst="rect">
@@ -4083,7 +4324,7 @@
               </a:defRPr>
             </a:pPr>
             <a:r>
-              <a:rPr sz="8200">
+              <a:rPr sz="8200" dirty="0">
                 <a:solidFill>
                   <a:srgbClr val="535353"/>
                 </a:solidFill>
